--- a/lab5-3/doc/SoC_Lab5-3.pptx
+++ b/lab5-3/doc/SoC_Lab5-3.pptx
@@ -5,12 +5,13 @@
     <p:sldMasterId id="2147483648" r:id="rId1"/>
   </p:sldMasterIdLst>
   <p:notesMasterIdLst>
-    <p:notesMasterId r:id="rId5"/>
+    <p:notesMasterId r:id="rId6"/>
   </p:notesMasterIdLst>
   <p:sldIdLst>
     <p:sldId id="256" r:id="rId2"/>
-    <p:sldId id="275" r:id="rId3"/>
-    <p:sldId id="273" r:id="rId4"/>
+    <p:sldId id="276" r:id="rId3"/>
+    <p:sldId id="275" r:id="rId4"/>
+    <p:sldId id="273" r:id="rId5"/>
   </p:sldIdLst>
   <p:sldSz cx="12192000" cy="6858000"/>
   <p:notesSz cx="6858000" cy="9144000"/>
@@ -3358,11 +3359,7 @@
             </a:r>
             <a:r>
               <a:rPr lang="zh-TW" altLang="en-US" dirty="0" smtClean="0"/>
-              <a:t>實驗</a:t>
-            </a:r>
-            <a:r>
-              <a:rPr lang="zh-TW" altLang="en-US" dirty="0" smtClean="0"/>
-              <a:t>報告</a:t>
+              <a:t>實驗報告</a:t>
             </a:r>
             <a:r>
               <a:rPr lang="en-US" altLang="zh-TW" dirty="0" smtClean="0"/>
@@ -3484,6 +3481,148 @@
           <a:lstStyle/>
           <a:p>
             <a:r>
+              <a:rPr lang="en-US" altLang="zh-TW" dirty="0"/>
+              <a:t>MIO Configuration</a:t>
+            </a:r>
+            <a:endParaRPr lang="zh-TW" altLang="en-US" dirty="0"/>
+          </a:p>
+        </p:txBody>
+      </p:sp>
+      <p:sp>
+        <p:nvSpPr>
+          <p:cNvPr id="3" name="內容版面配置區 2"/>
+          <p:cNvSpPr>
+            <a:spLocks noGrp="1"/>
+          </p:cNvSpPr>
+          <p:nvPr>
+            <p:ph idx="1"/>
+          </p:nvPr>
+        </p:nvSpPr>
+        <p:spPr/>
+        <p:txBody>
+          <a:bodyPr/>
+          <a:lstStyle/>
+          <a:p>
+            <a:endParaRPr lang="zh-TW" altLang="en-US" dirty="0"/>
+          </a:p>
+        </p:txBody>
+      </p:sp>
+      <p:pic>
+        <p:nvPicPr>
+          <p:cNvPr id="4" name="圖片 3"/>
+          <p:cNvPicPr>
+            <a:picLocks noChangeAspect="1"/>
+          </p:cNvPicPr>
+          <p:nvPr/>
+        </p:nvPicPr>
+        <p:blipFill>
+          <a:blip r:embed="rId2"/>
+          <a:stretch>
+            <a:fillRect/>
+          </a:stretch>
+        </p:blipFill>
+        <p:spPr>
+          <a:xfrm>
+            <a:off x="5663712" y="437295"/>
+            <a:ext cx="6214696" cy="6309049"/>
+          </a:xfrm>
+          <a:prstGeom prst="rect">
+            <a:avLst/>
+          </a:prstGeom>
+        </p:spPr>
+      </p:pic>
+      <p:sp>
+        <p:nvSpPr>
+          <p:cNvPr id="5" name="矩形 4"/>
+          <p:cNvSpPr/>
+          <p:nvPr/>
+        </p:nvSpPr>
+        <p:spPr>
+          <a:xfrm>
+            <a:off x="6734908" y="5917223"/>
+            <a:ext cx="5011615" cy="259740"/>
+          </a:xfrm>
+          <a:prstGeom prst="rect">
+            <a:avLst/>
+          </a:prstGeom>
+          <a:noFill/>
+          <a:ln w="28575">
+            <a:solidFill>
+              <a:srgbClr val="FF0000"/>
+            </a:solidFill>
+          </a:ln>
+        </p:spPr>
+        <p:style>
+          <a:lnRef idx="2">
+            <a:schemeClr val="accent1">
+              <a:shade val="50000"/>
+            </a:schemeClr>
+          </a:lnRef>
+          <a:fillRef idx="1">
+            <a:schemeClr val="accent1"/>
+          </a:fillRef>
+          <a:effectRef idx="0">
+            <a:schemeClr val="accent1"/>
+          </a:effectRef>
+          <a:fontRef idx="minor">
+            <a:schemeClr val="lt1"/>
+          </a:fontRef>
+        </p:style>
+        <p:txBody>
+          <a:bodyPr rtlCol="0" anchor="ctr"/>
+          <a:lstStyle/>
+          <a:p>
+            <a:pPr algn="ctr"/>
+            <a:endParaRPr lang="zh-TW" altLang="en-US"/>
+          </a:p>
+        </p:txBody>
+      </p:sp>
+    </p:spTree>
+    <p:extLst>
+      <p:ext uri="{BB962C8B-B14F-4D97-AF65-F5344CB8AC3E}">
+        <p14:creationId xmlns:p14="http://schemas.microsoft.com/office/powerpoint/2010/main" val="1518828132"/>
+      </p:ext>
+    </p:extLst>
+  </p:cSld>
+  <p:clrMapOvr>
+    <a:masterClrMapping/>
+  </p:clrMapOvr>
+</p:sld>
+</file>
+
+<file path=ppt/slides/slide3.xml><?xml version="1.0" encoding="utf-8"?>
+<p:sld xmlns:a="http://schemas.openxmlformats.org/drawingml/2006/main" xmlns:r="http://schemas.openxmlformats.org/officeDocument/2006/relationships" xmlns:p="http://schemas.openxmlformats.org/presentationml/2006/main">
+  <p:cSld>
+    <p:spTree>
+      <p:nvGrpSpPr>
+        <p:cNvPr id="1" name=""/>
+        <p:cNvGrpSpPr/>
+        <p:nvPr/>
+      </p:nvGrpSpPr>
+      <p:grpSpPr>
+        <a:xfrm>
+          <a:off x="0" y="0"/>
+          <a:ext cx="0" cy="0"/>
+          <a:chOff x="0" y="0"/>
+          <a:chExt cx="0" cy="0"/>
+        </a:xfrm>
+      </p:grpSpPr>
+      <p:sp>
+        <p:nvSpPr>
+          <p:cNvPr id="2" name="標題 1"/>
+          <p:cNvSpPr>
+            <a:spLocks noGrp="1"/>
+          </p:cNvSpPr>
+          <p:nvPr>
+            <p:ph type="title"/>
+          </p:nvPr>
+        </p:nvSpPr>
+        <p:spPr/>
+        <p:txBody>
+          <a:bodyPr/>
+          <a:lstStyle/>
+          <a:p>
+            <a:r>
               <a:rPr lang="en-US" altLang="zh-TW" dirty="0" smtClean="0"/>
               <a:t>Block Design</a:t>
             </a:r>
@@ -3533,7 +3672,7 @@
 </p:sld>
 </file>
 
-<file path=ppt/slides/slide3.xml><?xml version="1.0" encoding="utf-8"?>
+<file path=ppt/slides/slide4.xml><?xml version="1.0" encoding="utf-8"?>
 <p:sld xmlns:a="http://schemas.openxmlformats.org/drawingml/2006/main" xmlns:r="http://schemas.openxmlformats.org/officeDocument/2006/relationships" xmlns:p="http://schemas.openxmlformats.org/presentationml/2006/main">
   <p:cSld>
     <p:spTree>
@@ -3575,14 +3714,7 @@
                 <a:latin typeface="Times New Roman" panose="02020603050405020304" pitchFamily="18" charset="0"/>
                 <a:ea typeface="標楷體" panose="03000509000000000000" pitchFamily="65" charset="-120"/>
               </a:rPr>
-              <a:t>測試</a:t>
-            </a:r>
-            <a:r>
-              <a:rPr lang="zh-TW" altLang="en-US" dirty="0" smtClean="0">
-                <a:latin typeface="Times New Roman" panose="02020603050405020304" pitchFamily="18" charset="0"/>
-                <a:ea typeface="標楷體" panose="03000509000000000000" pitchFamily="65" charset="-120"/>
-              </a:rPr>
-              <a:t>結果</a:t>
+              <a:t>測試結果</a:t>
             </a:r>
             <a:endParaRPr lang="zh-TW" altLang="en-US" dirty="0">
               <a:latin typeface="Times New Roman" panose="02020603050405020304" pitchFamily="18" charset="0"/>
